--- a/image2/RandomForest/界面.pptx
+++ b/image2/RandomForest/界面.pptx
@@ -288,7 +288,7 @@
           <a:p>
             <a:fld id="{530820CF-B880-4189-942D-D702A7CBA730}" type="datetimeFigureOut">
               <a:rPr lang="zh-CN" altLang="en-US" smtClean="0"/>
-              <a:t>2021/12/27</a:t>
+              <a:t>2021/12/29</a:t>
             </a:fld>
             <a:endParaRPr lang="zh-CN" altLang="en-US"/>
           </a:p>
@@ -453,7 +453,7 @@
           <a:p>
             <a:fld id="{530820CF-B880-4189-942D-D702A7CBA730}" type="datetimeFigureOut">
               <a:rPr lang="zh-CN" altLang="en-US" smtClean="0"/>
-              <a:t>2021/12/27</a:t>
+              <a:t>2021/12/29</a:t>
             </a:fld>
             <a:endParaRPr lang="zh-CN" altLang="en-US"/>
           </a:p>
@@ -628,7 +628,7 @@
           <a:p>
             <a:fld id="{530820CF-B880-4189-942D-D702A7CBA730}" type="datetimeFigureOut">
               <a:rPr lang="zh-CN" altLang="en-US" smtClean="0"/>
-              <a:t>2021/12/27</a:t>
+              <a:t>2021/12/29</a:t>
             </a:fld>
             <a:endParaRPr lang="zh-CN" altLang="en-US"/>
           </a:p>
@@ -793,7 +793,7 @@
           <a:p>
             <a:fld id="{530820CF-B880-4189-942D-D702A7CBA730}" type="datetimeFigureOut">
               <a:rPr lang="zh-CN" altLang="en-US" smtClean="0"/>
-              <a:t>2021/12/27</a:t>
+              <a:t>2021/12/29</a:t>
             </a:fld>
             <a:endParaRPr lang="zh-CN" altLang="en-US"/>
           </a:p>
@@ -1034,7 +1034,7 @@
           <a:p>
             <a:fld id="{530820CF-B880-4189-942D-D702A7CBA730}" type="datetimeFigureOut">
               <a:rPr lang="zh-CN" altLang="en-US" smtClean="0"/>
-              <a:t>2021/12/27</a:t>
+              <a:t>2021/12/29</a:t>
             </a:fld>
             <a:endParaRPr lang="zh-CN" altLang="en-US"/>
           </a:p>
@@ -1317,7 +1317,7 @@
           <a:p>
             <a:fld id="{530820CF-B880-4189-942D-D702A7CBA730}" type="datetimeFigureOut">
               <a:rPr lang="zh-CN" altLang="en-US" smtClean="0"/>
-              <a:t>2021/12/27</a:t>
+              <a:t>2021/12/29</a:t>
             </a:fld>
             <a:endParaRPr lang="zh-CN" altLang="en-US"/>
           </a:p>
@@ -1734,7 +1734,7 @@
           <a:p>
             <a:fld id="{530820CF-B880-4189-942D-D702A7CBA730}" type="datetimeFigureOut">
               <a:rPr lang="zh-CN" altLang="en-US" smtClean="0"/>
-              <a:t>2021/12/27</a:t>
+              <a:t>2021/12/29</a:t>
             </a:fld>
             <a:endParaRPr lang="zh-CN" altLang="en-US"/>
           </a:p>
@@ -1847,7 +1847,7 @@
           <a:p>
             <a:fld id="{530820CF-B880-4189-942D-D702A7CBA730}" type="datetimeFigureOut">
               <a:rPr lang="zh-CN" altLang="en-US" smtClean="0"/>
-              <a:t>2021/12/27</a:t>
+              <a:t>2021/12/29</a:t>
             </a:fld>
             <a:endParaRPr lang="zh-CN" altLang="en-US"/>
           </a:p>
@@ -1937,7 +1937,7 @@
           <a:p>
             <a:fld id="{530820CF-B880-4189-942D-D702A7CBA730}" type="datetimeFigureOut">
               <a:rPr lang="zh-CN" altLang="en-US" smtClean="0"/>
-              <a:t>2021/12/27</a:t>
+              <a:t>2021/12/29</a:t>
             </a:fld>
             <a:endParaRPr lang="zh-CN" altLang="en-US"/>
           </a:p>
@@ -2209,7 +2209,7 @@
           <a:p>
             <a:fld id="{530820CF-B880-4189-942D-D702A7CBA730}" type="datetimeFigureOut">
               <a:rPr lang="zh-CN" altLang="en-US" smtClean="0"/>
-              <a:t>2021/12/27</a:t>
+              <a:t>2021/12/29</a:t>
             </a:fld>
             <a:endParaRPr lang="zh-CN" altLang="en-US"/>
           </a:p>
@@ -2457,7 +2457,7 @@
           <a:p>
             <a:fld id="{530820CF-B880-4189-942D-D702A7CBA730}" type="datetimeFigureOut">
               <a:rPr lang="zh-CN" altLang="en-US" smtClean="0"/>
-              <a:t>2021/12/27</a:t>
+              <a:t>2021/12/29</a:t>
             </a:fld>
             <a:endParaRPr lang="zh-CN" altLang="en-US"/>
           </a:p>
@@ -2665,7 +2665,7 @@
           <a:p>
             <a:fld id="{530820CF-B880-4189-942D-D702A7CBA730}" type="datetimeFigureOut">
               <a:rPr lang="zh-CN" altLang="en-US" smtClean="0"/>
-              <a:t>2021/12/27</a:t>
+              <a:t>2021/12/29</a:t>
             </a:fld>
             <a:endParaRPr lang="zh-CN" altLang="en-US"/>
           </a:p>
@@ -3037,7 +3037,7 @@
       </p:grpSpPr>
       <p:pic>
         <p:nvPicPr>
-          <p:cNvPr id="4" name="图片 3"/>
+          <p:cNvPr id="3" name="图片 2"/>
           <p:cNvPicPr>
             <a:picLocks noChangeAspect="1"/>
           </p:cNvPicPr>
@@ -3057,8 +3057,8 @@
         </p:blipFill>
         <p:spPr>
           <a:xfrm>
-            <a:off x="4583076" y="1683565"/>
-            <a:ext cx="2857647" cy="5740695"/>
+            <a:off x="4654128" y="1680583"/>
+            <a:ext cx="2838596" cy="6305874"/>
           </a:xfrm>
           <a:prstGeom prst="rect">
             <a:avLst/>
@@ -3204,7 +3204,7 @@
         </p:nvSpPr>
         <p:spPr>
           <a:xfrm>
-            <a:off x="3420453" y="2844378"/>
+            <a:off x="3448556" y="4932610"/>
             <a:ext cx="1141553" cy="288032"/>
           </a:xfrm>
           <a:prstGeom prst="borderCallout1">
@@ -3267,15 +3267,15 @@
         </p:nvSpPr>
         <p:spPr>
           <a:xfrm>
-            <a:off x="3437053" y="5933611"/>
+            <a:off x="3437053" y="6444778"/>
             <a:ext cx="1141553" cy="288032"/>
           </a:xfrm>
           <a:prstGeom prst="borderCallout1">
             <a:avLst>
               <a:gd name="adj1" fmla="val 44544"/>
               <a:gd name="adj2" fmla="val 98811"/>
-              <a:gd name="adj3" fmla="val 43202"/>
-              <a:gd name="adj4" fmla="val 125146"/>
+              <a:gd name="adj3" fmla="val 44965"/>
+              <a:gd name="adj4" fmla="val 124701"/>
             </a:avLst>
           </a:prstGeom>
           <a:noFill/>
@@ -3330,7 +3330,7 @@
         </p:nvSpPr>
         <p:spPr>
           <a:xfrm>
-            <a:off x="3441754" y="6444778"/>
+            <a:off x="3441754" y="6948834"/>
             <a:ext cx="1141553" cy="288032"/>
           </a:xfrm>
           <a:prstGeom prst="borderCallout1">
@@ -3393,7 +3393,7 @@
         </p:nvSpPr>
         <p:spPr>
           <a:xfrm>
-            <a:off x="3445783" y="6948834"/>
+            <a:off x="3445783" y="7524898"/>
             <a:ext cx="1141553" cy="288032"/>
           </a:xfrm>
           <a:prstGeom prst="borderCallout1">
@@ -3467,7 +3467,7 @@
         </p:nvSpPr>
         <p:spPr>
           <a:xfrm>
-            <a:off x="3420452" y="3525990"/>
+            <a:off x="3420452" y="3060402"/>
             <a:ext cx="1141553" cy="288032"/>
           </a:xfrm>
           <a:prstGeom prst="borderCallout1">
@@ -3530,7 +3530,7 @@
         </p:nvSpPr>
         <p:spPr>
           <a:xfrm>
-            <a:off x="3503801" y="4212530"/>
+            <a:off x="3503801" y="3746942"/>
             <a:ext cx="928526" cy="432047"/>
           </a:xfrm>
           <a:prstGeom prst="borderCallout1">
@@ -3656,7 +3656,7 @@
         </p:nvSpPr>
         <p:spPr>
           <a:xfrm>
-            <a:off x="3508334" y="4860602"/>
+            <a:off x="3508334" y="4395014"/>
             <a:ext cx="928526" cy="432047"/>
           </a:xfrm>
           <a:prstGeom prst="borderCallout1">
@@ -3701,15 +3701,70 @@
                   <a:srgbClr val="FF0000"/>
                 </a:solidFill>
               </a:rPr>
-              <a:t>分类型</a:t>
-            </a:r>
+              <a:t>分类型自变量列数</a:t>
+            </a:r>
+            <a:endParaRPr lang="zh-CN" altLang="en-US" sz="1200" dirty="0">
+              <a:solidFill>
+                <a:srgbClr val="FF0000"/>
+              </a:solidFill>
+            </a:endParaRPr>
+          </a:p>
+        </p:txBody>
+      </p:sp>
+      <p:sp>
+        <p:nvSpPr>
+          <p:cNvPr id="15" name="线形标注 1 14"/>
+          <p:cNvSpPr/>
+          <p:nvPr/>
+        </p:nvSpPr>
+        <p:spPr>
+          <a:xfrm>
+            <a:off x="3445783" y="6084738"/>
+            <a:ext cx="1141553" cy="288032"/>
+          </a:xfrm>
+          <a:prstGeom prst="borderCallout1">
+            <a:avLst>
+              <a:gd name="adj1" fmla="val 44544"/>
+              <a:gd name="adj2" fmla="val 98811"/>
+              <a:gd name="adj3" fmla="val 43937"/>
+              <a:gd name="adj4" fmla="val 124776"/>
+            </a:avLst>
+          </a:prstGeom>
+          <a:noFill/>
+          <a:ln>
+            <a:solidFill>
+              <a:srgbClr val="FF0000"/>
+            </a:solidFill>
+          </a:ln>
+        </p:spPr>
+        <p:style>
+          <a:lnRef idx="2">
+            <a:schemeClr val="accent1">
+              <a:shade val="50000"/>
+            </a:schemeClr>
+          </a:lnRef>
+          <a:fillRef idx="1">
+            <a:schemeClr val="accent1"/>
+          </a:fillRef>
+          <a:effectRef idx="0">
+            <a:schemeClr val="accent1"/>
+          </a:effectRef>
+          <a:fontRef idx="minor">
+            <a:schemeClr val="lt1"/>
+          </a:fontRef>
+        </p:style>
+        <p:txBody>
+          <a:bodyPr rtlCol="0" anchor="ctr"/>
+          <a:lstStyle/>
+          <a:p>
+            <a:pPr algn="ctr"/>
             <a:r>
               <a:rPr lang="zh-CN" altLang="en-US" sz="1200" dirty="0" smtClean="0">
                 <a:solidFill>
                   <a:srgbClr val="FF0000"/>
                 </a:solidFill>
               </a:rPr>
-              <a:t>自变量列数</a:t>
+              <a:t>交叉验证折数</a:t>
             </a:r>
             <a:endParaRPr lang="zh-CN" altLang="en-US" sz="1200" dirty="0">
               <a:solidFill>
